--- a/Szimpózium0401.pptx
+++ b/Szimpózium0401.pptx
@@ -5,7 +5,7 @@
     <p:sldMasterId id="2147483648" r:id="rId1"/>
   </p:sldMasterIdLst>
   <p:notesMasterIdLst>
-    <p:notesMasterId r:id="rId10"/>
+    <p:notesMasterId r:id="rId12"/>
   </p:notesMasterIdLst>
   <p:sldIdLst>
     <p:sldId id="256" r:id="rId2"/>
@@ -16,6 +16,8 @@
     <p:sldId id="266" r:id="rId7"/>
     <p:sldId id="267" r:id="rId8"/>
     <p:sldId id="268" r:id="rId9"/>
+    <p:sldId id="270" r:id="rId10"/>
+    <p:sldId id="269" r:id="rId11"/>
   </p:sldIdLst>
   <p:sldSz cx="12192000" cy="6858000"/>
   <p:notesSz cx="6858000" cy="9144000"/>
@@ -6849,6 +6851,69 @@
 </p:sld>
 </file>
 
+<file path=ppt/slides/slide10.xml><?xml version="1.0" encoding="utf-8"?>
+<p:sld xmlns:a="http://schemas.openxmlformats.org/drawingml/2006/main" xmlns:r="http://schemas.openxmlformats.org/officeDocument/2006/relationships" xmlns:p="http://schemas.openxmlformats.org/presentationml/2006/main">
+  <p:cSld>
+    <p:spTree>
+      <p:nvGrpSpPr>
+        <p:cNvPr id="1" name=""/>
+        <p:cNvGrpSpPr/>
+        <p:nvPr/>
+      </p:nvGrpSpPr>
+      <p:grpSpPr>
+        <a:xfrm>
+          <a:off x="0" y="0"/>
+          <a:ext cx="0" cy="0"/>
+          <a:chOff x="0" y="0"/>
+          <a:chExt cx="0" cy="0"/>
+        </a:xfrm>
+      </p:grpSpPr>
+      <p:sp>
+        <p:nvSpPr>
+          <p:cNvPr id="2" name="Cím 1">
+            <a:extLst>
+              <a:ext uri="{FF2B5EF4-FFF2-40B4-BE49-F238E27FC236}">
+                <a16:creationId xmlns:a16="http://schemas.microsoft.com/office/drawing/2014/main" id="{D78CEA6F-7559-4EAC-82D6-D82CC29D02AE}"/>
+              </a:ext>
+            </a:extLst>
+          </p:cNvPr>
+          <p:cNvSpPr>
+            <a:spLocks noGrp="1"/>
+          </p:cNvSpPr>
+          <p:nvPr>
+            <p:ph type="title"/>
+          </p:nvPr>
+        </p:nvSpPr>
+        <p:spPr>
+          <a:xfrm>
+            <a:off x="1086643" y="2552700"/>
+            <a:ext cx="10018713" cy="1752599"/>
+          </a:xfrm>
+        </p:spPr>
+        <p:txBody>
+          <a:bodyPr/>
+          <a:lstStyle/>
+          <a:p>
+            <a:r>
+              <a:rPr lang="hu-HU" dirty="0"/>
+              <a:t>Videó</a:t>
+            </a:r>
+          </a:p>
+        </p:txBody>
+      </p:sp>
+    </p:spTree>
+    <p:extLst>
+      <p:ext uri="{BB962C8B-B14F-4D97-AF65-F5344CB8AC3E}">
+        <p14:creationId xmlns:p14="http://schemas.microsoft.com/office/powerpoint/2010/main" val="2122722534"/>
+      </p:ext>
+    </p:extLst>
+  </p:cSld>
+  <p:clrMapOvr>
+    <a:masterClrMapping/>
+  </p:clrMapOvr>
+</p:sld>
+</file>
+
 <file path=ppt/slides/slide2.xml><?xml version="1.0" encoding="utf-8"?>
 <p:sld xmlns:a="http://schemas.openxmlformats.org/drawingml/2006/main" xmlns:r="http://schemas.openxmlformats.org/officeDocument/2006/relationships" xmlns:p="http://schemas.openxmlformats.org/presentationml/2006/main">
   <p:cSld>
@@ -7300,7 +7365,12 @@
             <p:ph sz="half" idx="1"/>
           </p:nvPr>
         </p:nvSpPr>
-        <p:spPr/>
+        <p:spPr>
+          <a:xfrm>
+            <a:off x="1484311" y="1997532"/>
+            <a:ext cx="4895055" cy="1752600"/>
+          </a:xfrm>
+        </p:spPr>
         <p:txBody>
           <a:bodyPr>
             <a:normAutofit/>
@@ -7316,7 +7386,7 @@
             <a:pPr lvl="1"/>
             <a:r>
               <a:rPr lang="hu-HU" sz="2000" dirty="0"/>
-              <a:t>A visszaállított kép tökéletesen néz ki </a:t>
+              <a:t>A visszaállított kép majdnem tökéletes </a:t>
             </a:r>
           </a:p>
           <a:p>
@@ -7347,8 +7417,8 @@
         </p:nvSpPr>
         <p:spPr>
           <a:xfrm>
-            <a:off x="6607968" y="2438399"/>
-            <a:ext cx="4895056" cy="3124200"/>
+            <a:off x="6607967" y="1768931"/>
+            <a:ext cx="4895056" cy="1981201"/>
           </a:xfrm>
         </p:spPr>
         <p:txBody>
@@ -7380,6 +7450,66 @@
           </a:p>
         </p:txBody>
       </p:sp>
+      <p:pic>
+        <p:nvPicPr>
+          <p:cNvPr id="5" name="Kép 4">
+            <a:extLst>
+              <a:ext uri="{FF2B5EF4-FFF2-40B4-BE49-F238E27FC236}">
+                <a16:creationId xmlns:a16="http://schemas.microsoft.com/office/drawing/2014/main" id="{C8DAD4BF-535D-4DF1-A955-1B9DCB950AEE}"/>
+              </a:ext>
+            </a:extLst>
+          </p:cNvPr>
+          <p:cNvPicPr>
+            <a:picLocks noChangeAspect="1"/>
+          </p:cNvPicPr>
+          <p:nvPr/>
+        </p:nvPicPr>
+        <p:blipFill>
+          <a:blip r:embed="rId2"/>
+          <a:stretch>
+            <a:fillRect/>
+          </a:stretch>
+        </p:blipFill>
+        <p:spPr>
+          <a:xfrm>
+            <a:off x="1484311" y="3750131"/>
+            <a:ext cx="4895055" cy="2286081"/>
+          </a:xfrm>
+          <a:prstGeom prst="rect">
+            <a:avLst/>
+          </a:prstGeom>
+        </p:spPr>
+      </p:pic>
+      <p:pic>
+        <p:nvPicPr>
+          <p:cNvPr id="6" name="Kép 5">
+            <a:extLst>
+              <a:ext uri="{FF2B5EF4-FFF2-40B4-BE49-F238E27FC236}">
+                <a16:creationId xmlns:a16="http://schemas.microsoft.com/office/drawing/2014/main" id="{950C4B73-67AD-455C-AE55-6452064C753D}"/>
+              </a:ext>
+            </a:extLst>
+          </p:cNvPr>
+          <p:cNvPicPr>
+            <a:picLocks noChangeAspect="1"/>
+          </p:cNvPicPr>
+          <p:nvPr/>
+        </p:nvPicPr>
+        <p:blipFill>
+          <a:blip r:embed="rId3"/>
+          <a:stretch>
+            <a:fillRect/>
+          </a:stretch>
+        </p:blipFill>
+        <p:spPr>
+          <a:xfrm>
+            <a:off x="6607966" y="3750133"/>
+            <a:ext cx="4895055" cy="2299859"/>
+          </a:xfrm>
+          <a:prstGeom prst="rect">
+            <a:avLst/>
+          </a:prstGeom>
+        </p:spPr>
+      </p:pic>
     </p:spTree>
     <p:extLst>
       <p:ext uri="{BB962C8B-B14F-4D97-AF65-F5344CB8AC3E}">
@@ -7459,24 +7589,24 @@
         <p:spPr>
           <a:xfrm>
             <a:off x="1484311" y="2269935"/>
-            <a:ext cx="4895056" cy="733324"/>
+            <a:ext cx="5763156" cy="733324"/>
           </a:xfrm>
         </p:spPr>
         <p:txBody>
           <a:bodyPr>
-            <a:normAutofit/>
+            <a:noAutofit/>
           </a:bodyPr>
           <a:lstStyle/>
           <a:p>
             <a:r>
-              <a:rPr lang="hu-HU" sz="2000" dirty="0"/>
+              <a:rPr lang="hu-HU" sz="2400" dirty="0"/>
               <a:t>Csak MAE esetén is csökken a KL-</a:t>
             </a:r>
             <a:r>
-              <a:rPr lang="hu-HU" sz="2000" dirty="0" err="1"/>
+              <a:rPr lang="hu-HU" sz="2400" dirty="0" err="1"/>
               <a:t>loss</a:t>
             </a:r>
-            <a:endParaRPr lang="en-US" sz="2000" dirty="0"/>
+            <a:endParaRPr lang="en-US" sz="2400" dirty="0"/>
           </a:p>
         </p:txBody>
       </p:sp>
@@ -7706,7 +7836,7 @@
         </p:nvSpPr>
         <p:spPr>
           <a:xfrm>
-            <a:off x="1484310" y="2666999"/>
+            <a:off x="1484311" y="2400998"/>
             <a:ext cx="10018713" cy="2056003"/>
           </a:xfrm>
         </p:spPr>
@@ -7853,6 +7983,109 @@
     <p:extLst>
       <p:ext uri="{BB962C8B-B14F-4D97-AF65-F5344CB8AC3E}">
         <p14:creationId xmlns:p14="http://schemas.microsoft.com/office/powerpoint/2010/main" val="2267828764"/>
+      </p:ext>
+    </p:extLst>
+  </p:cSld>
+  <p:clrMapOvr>
+    <a:masterClrMapping/>
+  </p:clrMapOvr>
+</p:sld>
+</file>
+
+<file path=ppt/slides/slide9.xml><?xml version="1.0" encoding="utf-8"?>
+<p:sld xmlns:a="http://schemas.openxmlformats.org/drawingml/2006/main" xmlns:r="http://schemas.openxmlformats.org/officeDocument/2006/relationships" xmlns:p="http://schemas.openxmlformats.org/presentationml/2006/main">
+  <p:cSld>
+    <p:spTree>
+      <p:nvGrpSpPr>
+        <p:cNvPr id="1" name=""/>
+        <p:cNvGrpSpPr/>
+        <p:nvPr/>
+      </p:nvGrpSpPr>
+      <p:grpSpPr>
+        <a:xfrm>
+          <a:off x="0" y="0"/>
+          <a:ext cx="0" cy="0"/>
+          <a:chOff x="0" y="0"/>
+          <a:chExt cx="0" cy="0"/>
+        </a:xfrm>
+      </p:grpSpPr>
+      <p:sp>
+        <p:nvSpPr>
+          <p:cNvPr id="2" name="Cím 1">
+            <a:extLst>
+              <a:ext uri="{FF2B5EF4-FFF2-40B4-BE49-F238E27FC236}">
+                <a16:creationId xmlns:a16="http://schemas.microsoft.com/office/drawing/2014/main" id="{3E11B201-D071-41FC-A04D-8F43FBE8F6F6}"/>
+              </a:ext>
+            </a:extLst>
+          </p:cNvPr>
+          <p:cNvSpPr>
+            <a:spLocks noGrp="1"/>
+          </p:cNvSpPr>
+          <p:nvPr>
+            <p:ph type="title"/>
+          </p:nvPr>
+        </p:nvSpPr>
+        <p:spPr/>
+        <p:txBody>
+          <a:bodyPr/>
+          <a:lstStyle/>
+          <a:p>
+            <a:pPr algn="l"/>
+            <a:r>
+              <a:rPr lang="hu-HU" dirty="0"/>
+              <a:t>Következő két hét</a:t>
+            </a:r>
+          </a:p>
+        </p:txBody>
+      </p:sp>
+      <p:sp>
+        <p:nvSpPr>
+          <p:cNvPr id="3" name="Tartalom helye 2">
+            <a:extLst>
+              <a:ext uri="{FF2B5EF4-FFF2-40B4-BE49-F238E27FC236}">
+                <a16:creationId xmlns:a16="http://schemas.microsoft.com/office/drawing/2014/main" id="{AB9DA106-5827-4204-BAC4-A283DEA41BCD}"/>
+              </a:ext>
+            </a:extLst>
+          </p:cNvPr>
+          <p:cNvSpPr>
+            <a:spLocks noGrp="1"/>
+          </p:cNvSpPr>
+          <p:nvPr>
+            <p:ph idx="1"/>
+          </p:nvPr>
+        </p:nvSpPr>
+        <p:spPr>
+          <a:xfrm>
+            <a:off x="1484311" y="1866899"/>
+            <a:ext cx="10018713" cy="3124201"/>
+          </a:xfrm>
+        </p:spPr>
+        <p:txBody>
+          <a:bodyPr/>
+          <a:lstStyle/>
+          <a:p>
+            <a:r>
+              <a:rPr lang="hu-HU" dirty="0"/>
+              <a:t>Batch </a:t>
+            </a:r>
+            <a:r>
+              <a:rPr lang="hu-HU" dirty="0" err="1"/>
+              <a:t>Normalization</a:t>
+            </a:r>
+            <a:endParaRPr lang="hu-HU" dirty="0"/>
+          </a:p>
+          <a:p>
+            <a:r>
+              <a:rPr lang="hu-HU" dirty="0"/>
+              <a:t>RNN</a:t>
+            </a:r>
+          </a:p>
+        </p:txBody>
+      </p:sp>
+    </p:spTree>
+    <p:extLst>
+      <p:ext uri="{BB962C8B-B14F-4D97-AF65-F5344CB8AC3E}">
+        <p14:creationId xmlns:p14="http://schemas.microsoft.com/office/powerpoint/2010/main" val="1018463195"/>
       </p:ext>
     </p:extLst>
   </p:cSld>

--- a/Szimpózium0401.pptx
+++ b/Szimpózium0401.pptx
@@ -744,6 +744,12 @@
             </a:r>
           </a:p>
           <a:p>
+            <a:r>
+              <a:rPr lang="hu-HU" dirty="0"/>
+              <a:t>KL mihez kell: hasonló kép-&gt; hasonló látensvektor</a:t>
+            </a:r>
+          </a:p>
+          <a:p>
             <a:endParaRPr lang="en-US" dirty="0"/>
           </a:p>
         </p:txBody>
@@ -775,6 +781,97 @@
     <p:extLst>
       <p:ext uri="{BB962C8B-B14F-4D97-AF65-F5344CB8AC3E}">
         <p14:creationId xmlns:p14="http://schemas.microsoft.com/office/powerpoint/2010/main" val="181414725"/>
+      </p:ext>
+    </p:extLst>
+  </p:cSld>
+  <p:clrMapOvr>
+    <a:masterClrMapping/>
+  </p:clrMapOvr>
+</p:notes>
+</file>
+
+<file path=ppt/notesSlides/notesSlide4.xml><?xml version="1.0" encoding="utf-8"?>
+<p:notes xmlns:a="http://schemas.openxmlformats.org/drawingml/2006/main" xmlns:r="http://schemas.openxmlformats.org/officeDocument/2006/relationships" xmlns:p="http://schemas.openxmlformats.org/presentationml/2006/main">
+  <p:cSld>
+    <p:spTree>
+      <p:nvGrpSpPr>
+        <p:cNvPr id="1" name=""/>
+        <p:cNvGrpSpPr/>
+        <p:nvPr/>
+      </p:nvGrpSpPr>
+      <p:grpSpPr>
+        <a:xfrm>
+          <a:off x="0" y="0"/>
+          <a:ext cx="0" cy="0"/>
+          <a:chOff x="0" y="0"/>
+          <a:chExt cx="0" cy="0"/>
+        </a:xfrm>
+      </p:grpSpPr>
+      <p:sp>
+        <p:nvSpPr>
+          <p:cNvPr id="2" name="Diakép helye 1"/>
+          <p:cNvSpPr>
+            <a:spLocks noGrp="1" noRot="1" noChangeAspect="1"/>
+          </p:cNvSpPr>
+          <p:nvPr>
+            <p:ph type="sldImg"/>
+          </p:nvPr>
+        </p:nvSpPr>
+        <p:spPr/>
+      </p:sp>
+      <p:sp>
+        <p:nvSpPr>
+          <p:cNvPr id="3" name="Jegyzetek helye 2"/>
+          <p:cNvSpPr>
+            <a:spLocks noGrp="1"/>
+          </p:cNvSpPr>
+          <p:nvPr>
+            <p:ph type="body" idx="1"/>
+          </p:nvPr>
+        </p:nvSpPr>
+        <p:spPr/>
+        <p:txBody>
+          <a:bodyPr/>
+          <a:lstStyle/>
+          <a:p>
+            <a:r>
+              <a:rPr lang="hu-HU" dirty="0" err="1"/>
+              <a:t>Mae</a:t>
+            </a:r>
+            <a:r>
+              <a:rPr lang="hu-HU" dirty="0"/>
+              <a:t> dominál: kaotikus képek</a:t>
+            </a:r>
+          </a:p>
+        </p:txBody>
+      </p:sp>
+      <p:sp>
+        <p:nvSpPr>
+          <p:cNvPr id="4" name="Dia számának helye 3"/>
+          <p:cNvSpPr>
+            <a:spLocks noGrp="1"/>
+          </p:cNvSpPr>
+          <p:nvPr>
+            <p:ph type="sldNum" sz="quarter" idx="5"/>
+          </p:nvPr>
+        </p:nvSpPr>
+        <p:spPr/>
+        <p:txBody>
+          <a:bodyPr/>
+          <a:lstStyle/>
+          <a:p>
+            <a:fld id="{51AD0D74-29B1-446D-AB8F-7C4E2202C095}" type="slidenum">
+              <a:rPr lang="hu-HU" smtClean="0"/>
+              <a:t>5</a:t>
+            </a:fld>
+            <a:endParaRPr lang="hu-HU"/>
+          </a:p>
+        </p:txBody>
+      </p:sp>
+    </p:spTree>
+    <p:extLst>
+      <p:ext uri="{BB962C8B-B14F-4D97-AF65-F5344CB8AC3E}">
+        <p14:creationId xmlns:p14="http://schemas.microsoft.com/office/powerpoint/2010/main" val="564372016"/>
       </p:ext>
     </p:extLst>
   </p:cSld>
@@ -7465,7 +7562,7 @@
           <p:nvPr/>
         </p:nvPicPr>
         <p:blipFill>
-          <a:blip r:embed="rId2"/>
+          <a:blip r:embed="rId3"/>
           <a:stretch>
             <a:fillRect/>
           </a:stretch>
@@ -7495,7 +7592,7 @@
           <p:nvPr/>
         </p:nvPicPr>
         <p:blipFill>
-          <a:blip r:embed="rId3"/>
+          <a:blip r:embed="rId4"/>
           <a:stretch>
             <a:fillRect/>
           </a:stretch>
